--- a/papers/LanguageLearningModel.pptx
+++ b/papers/LanguageLearningModel.pptx
@@ -108,6 +108,22 @@
       </a:defRPr>
     </a:lvl9pPr>
   </p:defaultTextStyle>
+  <p:extLst>
+    <p:ext uri="{EFAFB233-063F-42B5-8137-9DF3F51BA10A}">
+      <p15:sldGuideLst xmlns:p15="http://schemas.microsoft.com/office/powerpoint/2012/main">
+        <p15:guide id="1" orient="horz" pos="2160">
+          <p15:clr>
+            <a:srgbClr val="A4A3A4"/>
+          </p15:clr>
+        </p15:guide>
+        <p15:guide id="2" pos="2880">
+          <p15:clr>
+            <a:srgbClr val="A4A3A4"/>
+          </p15:clr>
+        </p15:guide>
+      </p15:sldGuideLst>
+    </p:ext>
+  </p:extLst>
 </p:presentation>
 </file>
 
@@ -149,10 +165,9 @@
           <a:lstStyle/>
           <a:p>
             <a:r>
-              <a:rPr lang="en-US" smtClean="0"/>
+              <a:rPr lang="en-US"/>
               <a:t>Click to edit Master title style</a:t>
             </a:r>
-            <a:endParaRPr lang="en-US"/>
           </a:p>
         </p:txBody>
       </p:sp>
@@ -268,10 +283,9 @@
           </a:lstStyle>
           <a:p>
             <a:r>
-              <a:rPr lang="en-US" smtClean="0"/>
+              <a:rPr lang="en-US"/>
               <a:t>Click to edit Master subtitle style</a:t>
             </a:r>
-            <a:endParaRPr lang="en-US"/>
           </a:p>
         </p:txBody>
       </p:sp>
@@ -292,7 +306,7 @@
           <a:p>
             <a:fld id="{913C224B-51B4-704E-A903-81ED8C3FF8C6}" type="datetimeFigureOut">
               <a:rPr lang="en-US" smtClean="0"/>
-              <a:t>7/27/17</a:t>
+              <a:t>3/22/2019</a:t>
             </a:fld>
             <a:endParaRPr lang="en-US"/>
           </a:p>
@@ -386,10 +400,9 @@
           <a:lstStyle/>
           <a:p>
             <a:r>
-              <a:rPr lang="en-US" smtClean="0"/>
+              <a:rPr lang="en-US"/>
               <a:t>Click to edit Master title style</a:t>
             </a:r>
-            <a:endParaRPr lang="en-US"/>
           </a:p>
         </p:txBody>
       </p:sp>
@@ -410,38 +423,37 @@
           <a:p>
             <a:pPr lvl="0"/>
             <a:r>
-              <a:rPr lang="en-US" smtClean="0"/>
+              <a:rPr lang="en-US"/>
               <a:t>Click to edit Master text styles</a:t>
             </a:r>
           </a:p>
           <a:p>
             <a:pPr lvl="1"/>
             <a:r>
-              <a:rPr lang="en-US" smtClean="0"/>
+              <a:rPr lang="en-US"/>
               <a:t>Second level</a:t>
             </a:r>
           </a:p>
           <a:p>
             <a:pPr lvl="2"/>
             <a:r>
-              <a:rPr lang="en-US" smtClean="0"/>
+              <a:rPr lang="en-US"/>
               <a:t>Third level</a:t>
             </a:r>
           </a:p>
           <a:p>
             <a:pPr lvl="3"/>
             <a:r>
-              <a:rPr lang="en-US" smtClean="0"/>
+              <a:rPr lang="en-US"/>
               <a:t>Fourth level</a:t>
             </a:r>
           </a:p>
           <a:p>
             <a:pPr lvl="4"/>
             <a:r>
-              <a:rPr lang="en-US" smtClean="0"/>
+              <a:rPr lang="en-US"/>
               <a:t>Fifth level</a:t>
             </a:r>
-            <a:endParaRPr lang="en-US"/>
           </a:p>
         </p:txBody>
       </p:sp>
@@ -462,7 +474,7 @@
           <a:p>
             <a:fld id="{913C224B-51B4-704E-A903-81ED8C3FF8C6}" type="datetimeFigureOut">
               <a:rPr lang="en-US" smtClean="0"/>
-              <a:t>7/27/17</a:t>
+              <a:t>3/22/2019</a:t>
             </a:fld>
             <a:endParaRPr lang="en-US"/>
           </a:p>
@@ -561,10 +573,9 @@
           <a:lstStyle/>
           <a:p>
             <a:r>
-              <a:rPr lang="en-US" smtClean="0"/>
+              <a:rPr lang="en-US"/>
               <a:t>Click to edit Master title style</a:t>
             </a:r>
-            <a:endParaRPr lang="en-US"/>
           </a:p>
         </p:txBody>
       </p:sp>
@@ -590,38 +601,37 @@
           <a:p>
             <a:pPr lvl="0"/>
             <a:r>
-              <a:rPr lang="en-US" smtClean="0"/>
+              <a:rPr lang="en-US"/>
               <a:t>Click to edit Master text styles</a:t>
             </a:r>
           </a:p>
           <a:p>
             <a:pPr lvl="1"/>
             <a:r>
-              <a:rPr lang="en-US" smtClean="0"/>
+              <a:rPr lang="en-US"/>
               <a:t>Second level</a:t>
             </a:r>
           </a:p>
           <a:p>
             <a:pPr lvl="2"/>
             <a:r>
-              <a:rPr lang="en-US" smtClean="0"/>
+              <a:rPr lang="en-US"/>
               <a:t>Third level</a:t>
             </a:r>
           </a:p>
           <a:p>
             <a:pPr lvl="3"/>
             <a:r>
-              <a:rPr lang="en-US" smtClean="0"/>
+              <a:rPr lang="en-US"/>
               <a:t>Fourth level</a:t>
             </a:r>
           </a:p>
           <a:p>
             <a:pPr lvl="4"/>
             <a:r>
-              <a:rPr lang="en-US" smtClean="0"/>
+              <a:rPr lang="en-US"/>
               <a:t>Fifth level</a:t>
             </a:r>
-            <a:endParaRPr lang="en-US"/>
           </a:p>
         </p:txBody>
       </p:sp>
@@ -642,7 +652,7 @@
           <a:p>
             <a:fld id="{913C224B-51B4-704E-A903-81ED8C3FF8C6}" type="datetimeFigureOut">
               <a:rPr lang="en-US" smtClean="0"/>
-              <a:t>7/27/17</a:t>
+              <a:t>3/22/2019</a:t>
             </a:fld>
             <a:endParaRPr lang="en-US"/>
           </a:p>
@@ -736,10 +746,9 @@
           <a:lstStyle/>
           <a:p>
             <a:r>
-              <a:rPr lang="en-US" smtClean="0"/>
+              <a:rPr lang="en-US"/>
               <a:t>Click to edit Master title style</a:t>
             </a:r>
-            <a:endParaRPr lang="en-US"/>
           </a:p>
         </p:txBody>
       </p:sp>
@@ -760,38 +769,37 @@
           <a:p>
             <a:pPr lvl="0"/>
             <a:r>
-              <a:rPr lang="en-US" smtClean="0"/>
+              <a:rPr lang="en-US"/>
               <a:t>Click to edit Master text styles</a:t>
             </a:r>
           </a:p>
           <a:p>
             <a:pPr lvl="1"/>
             <a:r>
-              <a:rPr lang="en-US" smtClean="0"/>
+              <a:rPr lang="en-US"/>
               <a:t>Second level</a:t>
             </a:r>
           </a:p>
           <a:p>
             <a:pPr lvl="2"/>
             <a:r>
-              <a:rPr lang="en-US" smtClean="0"/>
+              <a:rPr lang="en-US"/>
               <a:t>Third level</a:t>
             </a:r>
           </a:p>
           <a:p>
             <a:pPr lvl="3"/>
             <a:r>
-              <a:rPr lang="en-US" smtClean="0"/>
+              <a:rPr lang="en-US"/>
               <a:t>Fourth level</a:t>
             </a:r>
           </a:p>
           <a:p>
             <a:pPr lvl="4"/>
             <a:r>
-              <a:rPr lang="en-US" smtClean="0"/>
+              <a:rPr lang="en-US"/>
               <a:t>Fifth level</a:t>
             </a:r>
-            <a:endParaRPr lang="en-US"/>
           </a:p>
         </p:txBody>
       </p:sp>
@@ -812,7 +820,7 @@
           <a:p>
             <a:fld id="{913C224B-51B4-704E-A903-81ED8C3FF8C6}" type="datetimeFigureOut">
               <a:rPr lang="en-US" smtClean="0"/>
-              <a:t>7/27/17</a:t>
+              <a:t>3/22/2019</a:t>
             </a:fld>
             <a:endParaRPr lang="en-US"/>
           </a:p>
@@ -915,10 +923,9 @@
           </a:lstStyle>
           <a:p>
             <a:r>
-              <a:rPr lang="en-US" smtClean="0"/>
+              <a:rPr lang="en-US"/>
               <a:t>Click to edit Master title style</a:t>
             </a:r>
-            <a:endParaRPr lang="en-US"/>
           </a:p>
         </p:txBody>
       </p:sp>
@@ -1035,7 +1042,7 @@
           <a:p>
             <a:pPr lvl="0"/>
             <a:r>
-              <a:rPr lang="en-US" smtClean="0"/>
+              <a:rPr lang="en-US"/>
               <a:t>Click to edit Master text styles</a:t>
             </a:r>
           </a:p>
@@ -1058,7 +1065,7 @@
           <a:p>
             <a:fld id="{913C224B-51B4-704E-A903-81ED8C3FF8C6}" type="datetimeFigureOut">
               <a:rPr lang="en-US" smtClean="0"/>
-              <a:t>7/27/17</a:t>
+              <a:t>3/22/2019</a:t>
             </a:fld>
             <a:endParaRPr lang="en-US"/>
           </a:p>
@@ -1152,10 +1159,9 @@
           <a:lstStyle/>
           <a:p>
             <a:r>
-              <a:rPr lang="en-US" smtClean="0"/>
+              <a:rPr lang="en-US"/>
               <a:t>Click to edit Master title style</a:t>
             </a:r>
-            <a:endParaRPr lang="en-US"/>
           </a:p>
         </p:txBody>
       </p:sp>
@@ -1209,38 +1215,37 @@
           <a:p>
             <a:pPr lvl="0"/>
             <a:r>
-              <a:rPr lang="en-US" smtClean="0"/>
+              <a:rPr lang="en-US"/>
               <a:t>Click to edit Master text styles</a:t>
             </a:r>
           </a:p>
           <a:p>
             <a:pPr lvl="1"/>
             <a:r>
-              <a:rPr lang="en-US" smtClean="0"/>
+              <a:rPr lang="en-US"/>
               <a:t>Second level</a:t>
             </a:r>
           </a:p>
           <a:p>
             <a:pPr lvl="2"/>
             <a:r>
-              <a:rPr lang="en-US" smtClean="0"/>
+              <a:rPr lang="en-US"/>
               <a:t>Third level</a:t>
             </a:r>
           </a:p>
           <a:p>
             <a:pPr lvl="3"/>
             <a:r>
-              <a:rPr lang="en-US" smtClean="0"/>
+              <a:rPr lang="en-US"/>
               <a:t>Fourth level</a:t>
             </a:r>
           </a:p>
           <a:p>
             <a:pPr lvl="4"/>
             <a:r>
-              <a:rPr lang="en-US" smtClean="0"/>
+              <a:rPr lang="en-US"/>
               <a:t>Fifth level</a:t>
             </a:r>
-            <a:endParaRPr lang="en-US"/>
           </a:p>
         </p:txBody>
       </p:sp>
@@ -1294,38 +1299,37 @@
           <a:p>
             <a:pPr lvl="0"/>
             <a:r>
-              <a:rPr lang="en-US" smtClean="0"/>
+              <a:rPr lang="en-US"/>
               <a:t>Click to edit Master text styles</a:t>
             </a:r>
           </a:p>
           <a:p>
             <a:pPr lvl="1"/>
             <a:r>
-              <a:rPr lang="en-US" smtClean="0"/>
+              <a:rPr lang="en-US"/>
               <a:t>Second level</a:t>
             </a:r>
           </a:p>
           <a:p>
             <a:pPr lvl="2"/>
             <a:r>
-              <a:rPr lang="en-US" smtClean="0"/>
+              <a:rPr lang="en-US"/>
               <a:t>Third level</a:t>
             </a:r>
           </a:p>
           <a:p>
             <a:pPr lvl="3"/>
             <a:r>
-              <a:rPr lang="en-US" smtClean="0"/>
+              <a:rPr lang="en-US"/>
               <a:t>Fourth level</a:t>
             </a:r>
           </a:p>
           <a:p>
             <a:pPr lvl="4"/>
             <a:r>
-              <a:rPr lang="en-US" smtClean="0"/>
+              <a:rPr lang="en-US"/>
               <a:t>Fifth level</a:t>
             </a:r>
-            <a:endParaRPr lang="en-US"/>
           </a:p>
         </p:txBody>
       </p:sp>
@@ -1346,7 +1350,7 @@
           <a:p>
             <a:fld id="{913C224B-51B4-704E-A903-81ED8C3FF8C6}" type="datetimeFigureOut">
               <a:rPr lang="en-US" smtClean="0"/>
-              <a:t>7/27/17</a:t>
+              <a:t>3/22/2019</a:t>
             </a:fld>
             <a:endParaRPr lang="en-US"/>
           </a:p>
@@ -1444,10 +1448,9 @@
           </a:lstStyle>
           <a:p>
             <a:r>
-              <a:rPr lang="en-US" smtClean="0"/>
+              <a:rPr lang="en-US"/>
               <a:t>Click to edit Master title style</a:t>
             </a:r>
-            <a:endParaRPr lang="en-US"/>
           </a:p>
         </p:txBody>
       </p:sp>
@@ -1510,7 +1513,7 @@
           <a:p>
             <a:pPr lvl="0"/>
             <a:r>
-              <a:rPr lang="en-US" smtClean="0"/>
+              <a:rPr lang="en-US"/>
               <a:t>Click to edit Master text styles</a:t>
             </a:r>
           </a:p>
@@ -1566,38 +1569,37 @@
           <a:p>
             <a:pPr lvl="0"/>
             <a:r>
-              <a:rPr lang="en-US" smtClean="0"/>
+              <a:rPr lang="en-US"/>
               <a:t>Click to edit Master text styles</a:t>
             </a:r>
           </a:p>
           <a:p>
             <a:pPr lvl="1"/>
             <a:r>
-              <a:rPr lang="en-US" smtClean="0"/>
+              <a:rPr lang="en-US"/>
               <a:t>Second level</a:t>
             </a:r>
           </a:p>
           <a:p>
             <a:pPr lvl="2"/>
             <a:r>
-              <a:rPr lang="en-US" smtClean="0"/>
+              <a:rPr lang="en-US"/>
               <a:t>Third level</a:t>
             </a:r>
           </a:p>
           <a:p>
             <a:pPr lvl="3"/>
             <a:r>
-              <a:rPr lang="en-US" smtClean="0"/>
+              <a:rPr lang="en-US"/>
               <a:t>Fourth level</a:t>
             </a:r>
           </a:p>
           <a:p>
             <a:pPr lvl="4"/>
             <a:r>
-              <a:rPr lang="en-US" smtClean="0"/>
+              <a:rPr lang="en-US"/>
               <a:t>Fifth level</a:t>
             </a:r>
-            <a:endParaRPr lang="en-US"/>
           </a:p>
         </p:txBody>
       </p:sp>
@@ -1660,7 +1662,7 @@
           <a:p>
             <a:pPr lvl="0"/>
             <a:r>
-              <a:rPr lang="en-US" smtClean="0"/>
+              <a:rPr lang="en-US"/>
               <a:t>Click to edit Master text styles</a:t>
             </a:r>
           </a:p>
@@ -1716,38 +1718,37 @@
           <a:p>
             <a:pPr lvl="0"/>
             <a:r>
-              <a:rPr lang="en-US" smtClean="0"/>
+              <a:rPr lang="en-US"/>
               <a:t>Click to edit Master text styles</a:t>
             </a:r>
           </a:p>
           <a:p>
             <a:pPr lvl="1"/>
             <a:r>
-              <a:rPr lang="en-US" smtClean="0"/>
+              <a:rPr lang="en-US"/>
               <a:t>Second level</a:t>
             </a:r>
           </a:p>
           <a:p>
             <a:pPr lvl="2"/>
             <a:r>
-              <a:rPr lang="en-US" smtClean="0"/>
+              <a:rPr lang="en-US"/>
               <a:t>Third level</a:t>
             </a:r>
           </a:p>
           <a:p>
             <a:pPr lvl="3"/>
             <a:r>
-              <a:rPr lang="en-US" smtClean="0"/>
+              <a:rPr lang="en-US"/>
               <a:t>Fourth level</a:t>
             </a:r>
           </a:p>
           <a:p>
             <a:pPr lvl="4"/>
             <a:r>
-              <a:rPr lang="en-US" smtClean="0"/>
+              <a:rPr lang="en-US"/>
               <a:t>Fifth level</a:t>
             </a:r>
-            <a:endParaRPr lang="en-US"/>
           </a:p>
         </p:txBody>
       </p:sp>
@@ -1768,7 +1769,7 @@
           <a:p>
             <a:fld id="{913C224B-51B4-704E-A903-81ED8C3FF8C6}" type="datetimeFigureOut">
               <a:rPr lang="en-US" smtClean="0"/>
-              <a:t>7/27/17</a:t>
+              <a:t>3/22/2019</a:t>
             </a:fld>
             <a:endParaRPr lang="en-US"/>
           </a:p>
@@ -1862,10 +1863,9 @@
           <a:lstStyle/>
           <a:p>
             <a:r>
-              <a:rPr lang="en-US" smtClean="0"/>
+              <a:rPr lang="en-US"/>
               <a:t>Click to edit Master title style</a:t>
             </a:r>
-            <a:endParaRPr lang="en-US"/>
           </a:p>
         </p:txBody>
       </p:sp>
@@ -1886,7 +1886,7 @@
           <a:p>
             <a:fld id="{913C224B-51B4-704E-A903-81ED8C3FF8C6}" type="datetimeFigureOut">
               <a:rPr lang="en-US" smtClean="0"/>
-              <a:t>7/27/17</a:t>
+              <a:t>3/22/2019</a:t>
             </a:fld>
             <a:endParaRPr lang="en-US"/>
           </a:p>
@@ -1981,7 +1981,7 @@
           <a:p>
             <a:fld id="{913C224B-51B4-704E-A903-81ED8C3FF8C6}" type="datetimeFigureOut">
               <a:rPr lang="en-US" smtClean="0"/>
-              <a:t>7/27/17</a:t>
+              <a:t>3/22/2019</a:t>
             </a:fld>
             <a:endParaRPr lang="en-US"/>
           </a:p>
@@ -2084,10 +2084,9 @@
           </a:lstStyle>
           <a:p>
             <a:r>
-              <a:rPr lang="en-US" smtClean="0"/>
+              <a:rPr lang="en-US"/>
               <a:t>Click to edit Master title style</a:t>
             </a:r>
-            <a:endParaRPr lang="en-US"/>
           </a:p>
         </p:txBody>
       </p:sp>
@@ -2141,38 +2140,37 @@
           <a:p>
             <a:pPr lvl="0"/>
             <a:r>
-              <a:rPr lang="en-US" smtClean="0"/>
+              <a:rPr lang="en-US"/>
               <a:t>Click to edit Master text styles</a:t>
             </a:r>
           </a:p>
           <a:p>
             <a:pPr lvl="1"/>
             <a:r>
-              <a:rPr lang="en-US" smtClean="0"/>
+              <a:rPr lang="en-US"/>
               <a:t>Second level</a:t>
             </a:r>
           </a:p>
           <a:p>
             <a:pPr lvl="2"/>
             <a:r>
-              <a:rPr lang="en-US" smtClean="0"/>
+              <a:rPr lang="en-US"/>
               <a:t>Third level</a:t>
             </a:r>
           </a:p>
           <a:p>
             <a:pPr lvl="3"/>
             <a:r>
-              <a:rPr lang="en-US" smtClean="0"/>
+              <a:rPr lang="en-US"/>
               <a:t>Fourth level</a:t>
             </a:r>
           </a:p>
           <a:p>
             <a:pPr lvl="4"/>
             <a:r>
-              <a:rPr lang="en-US" smtClean="0"/>
+              <a:rPr lang="en-US"/>
               <a:t>Fifth level</a:t>
             </a:r>
-            <a:endParaRPr lang="en-US"/>
           </a:p>
         </p:txBody>
       </p:sp>
@@ -2235,7 +2233,7 @@
           <a:p>
             <a:pPr lvl="0"/>
             <a:r>
-              <a:rPr lang="en-US" smtClean="0"/>
+              <a:rPr lang="en-US"/>
               <a:t>Click to edit Master text styles</a:t>
             </a:r>
           </a:p>
@@ -2258,7 +2256,7 @@
           <a:p>
             <a:fld id="{913C224B-51B4-704E-A903-81ED8C3FF8C6}" type="datetimeFigureOut">
               <a:rPr lang="en-US" smtClean="0"/>
-              <a:t>7/27/17</a:t>
+              <a:t>3/22/2019</a:t>
             </a:fld>
             <a:endParaRPr lang="en-US"/>
           </a:p>
@@ -2361,10 +2359,9 @@
           </a:lstStyle>
           <a:p>
             <a:r>
-              <a:rPr lang="en-US" smtClean="0"/>
+              <a:rPr lang="en-US"/>
               <a:t>Click to edit Master title style</a:t>
             </a:r>
-            <a:endParaRPr lang="en-US"/>
           </a:p>
         </p:txBody>
       </p:sp>
@@ -2488,7 +2485,7 @@
           <a:p>
             <a:pPr lvl="0"/>
             <a:r>
-              <a:rPr lang="en-US" smtClean="0"/>
+              <a:rPr lang="en-US"/>
               <a:t>Click to edit Master text styles</a:t>
             </a:r>
           </a:p>
@@ -2511,7 +2508,7 @@
           <a:p>
             <a:fld id="{913C224B-51B4-704E-A903-81ED8C3FF8C6}" type="datetimeFigureOut">
               <a:rPr lang="en-US" smtClean="0"/>
-              <a:t>7/27/17</a:t>
+              <a:t>3/22/2019</a:t>
             </a:fld>
             <a:endParaRPr lang="en-US"/>
           </a:p>
@@ -2620,10 +2617,9 @@
           <a:lstStyle/>
           <a:p>
             <a:r>
-              <a:rPr lang="en-US" smtClean="0"/>
+              <a:rPr lang="en-US"/>
               <a:t>Click to edit Master title style</a:t>
             </a:r>
-            <a:endParaRPr lang="en-US"/>
           </a:p>
         </p:txBody>
       </p:sp>
@@ -2654,38 +2650,37 @@
           <a:p>
             <a:pPr lvl="0"/>
             <a:r>
-              <a:rPr lang="en-US" smtClean="0"/>
+              <a:rPr lang="en-US"/>
               <a:t>Click to edit Master text styles</a:t>
             </a:r>
           </a:p>
           <a:p>
             <a:pPr lvl="1"/>
             <a:r>
-              <a:rPr lang="en-US" smtClean="0"/>
+              <a:rPr lang="en-US"/>
               <a:t>Second level</a:t>
             </a:r>
           </a:p>
           <a:p>
             <a:pPr lvl="2"/>
             <a:r>
-              <a:rPr lang="en-US" smtClean="0"/>
+              <a:rPr lang="en-US"/>
               <a:t>Third level</a:t>
             </a:r>
           </a:p>
           <a:p>
             <a:pPr lvl="3"/>
             <a:r>
-              <a:rPr lang="en-US" smtClean="0"/>
+              <a:rPr lang="en-US"/>
               <a:t>Fourth level</a:t>
             </a:r>
           </a:p>
           <a:p>
             <a:pPr lvl="4"/>
             <a:r>
-              <a:rPr lang="en-US" smtClean="0"/>
+              <a:rPr lang="en-US"/>
               <a:t>Fifth level</a:t>
             </a:r>
-            <a:endParaRPr lang="en-US"/>
           </a:p>
         </p:txBody>
       </p:sp>
@@ -2724,7 +2719,7 @@
           <a:p>
             <a:fld id="{913C224B-51B4-704E-A903-81ED8C3FF8C6}" type="datetimeFigureOut">
               <a:rPr lang="en-US" smtClean="0"/>
-              <a:t>7/27/17</a:t>
+              <a:t>3/22/2019</a:t>
             </a:fld>
             <a:endParaRPr lang="en-US"/>
           </a:p>
@@ -3115,10 +3110,9 @@
           <a:lstStyle/>
           <a:p>
             <a:r>
-              <a:rPr lang="en-US" dirty="0" smtClean="0"/>
+              <a:rPr lang="en-US" dirty="0"/>
               <a:t>Model for learning language</a:t>
             </a:r>
-            <a:endParaRPr lang="en-US" dirty="0"/>
           </a:p>
         </p:txBody>
       </p:sp>
@@ -3188,14 +3182,15 @@
           </a:xfrm>
         </p:spPr>
         <p:txBody>
-          <a:bodyPr/>
-          <a:lstStyle/>
-          <a:p>
-            <a:r>
-              <a:rPr lang="en-US" dirty="0" smtClean="0"/>
-              <a:t>Overview of the model </a:t>
-            </a:r>
-            <a:endParaRPr lang="en-US" dirty="0"/>
+          <a:bodyPr>
+            <a:normAutofit/>
+          </a:bodyPr>
+          <a:lstStyle/>
+          <a:p>
+            <a:r>
+              <a:rPr lang="en-US" sz="3200" dirty="0"/>
+              <a:t>Overview of the implementation </a:t>
+            </a:r>
           </a:p>
         </p:txBody>
       </p:sp>
@@ -3245,12 +3240,12 @@
           <a:p>
             <a:pPr algn="ctr"/>
             <a:r>
-              <a:rPr lang="en-US" dirty="0" smtClean="0">
+              <a:rPr lang="en-US" dirty="0">
                 <a:solidFill>
                   <a:schemeClr val="tx1"/>
                 </a:solidFill>
               </a:rPr>
-              <a:t>Convolution Network </a:t>
+              <a:t>Convolutional Network </a:t>
             </a:r>
             <a:endParaRPr lang="en-GB" dirty="0">
               <a:solidFill>
@@ -3299,14 +3294,14 @@
           <a:p>
             <a:pPr algn="ctr"/>
             <a:r>
-              <a:rPr lang="en-US" dirty="0" smtClean="0"/>
+              <a:rPr lang="en-US" dirty="0"/>
               <a:t>Sender </a:t>
             </a:r>
           </a:p>
           <a:p>
             <a:pPr algn="ctr"/>
             <a:r>
-              <a:rPr lang="en-US" dirty="0" smtClean="0"/>
+              <a:rPr lang="en-US" dirty="0"/>
               <a:t>(Sender Network)</a:t>
             </a:r>
             <a:endParaRPr lang="en-GB" dirty="0"/>
@@ -3352,14 +3347,14 @@
           <a:p>
             <a:pPr algn="ctr"/>
             <a:r>
-              <a:rPr lang="en-US" dirty="0" smtClean="0"/>
+              <a:rPr lang="en-US" dirty="0"/>
               <a:t>Receiver </a:t>
             </a:r>
           </a:p>
           <a:p>
             <a:pPr algn="ctr"/>
             <a:r>
-              <a:rPr lang="en-US" dirty="0" smtClean="0"/>
+              <a:rPr lang="en-US" dirty="0"/>
               <a:t>(Receiver Network) </a:t>
             </a:r>
             <a:endParaRPr lang="en-GB" dirty="0"/>
@@ -3412,12 +3407,12 @@
           <a:p>
             <a:pPr algn="ctr"/>
             <a:r>
-              <a:rPr lang="en-US" dirty="0" smtClean="0">
+              <a:rPr lang="en-US">
                 <a:solidFill>
                   <a:schemeClr val="tx1"/>
                 </a:solidFill>
               </a:rPr>
-              <a:t>Environment </a:t>
+              <a:t>Reinforcement Learning Environment </a:t>
             </a:r>
             <a:endParaRPr lang="en-GB" dirty="0">
               <a:solidFill>
@@ -3573,7 +3568,7 @@
               <a:buNone/>
             </a:pPr>
             <a:r>
-              <a:rPr lang="en-US" sz="1200" i="1" dirty="0" smtClean="0"/>
+              <a:rPr lang="en-US" sz="1200" i="1" dirty="0"/>
               <a:t>Image 1 </a:t>
             </a:r>
             <a:endParaRPr lang="en-GB" sz="1200" i="1" dirty="0"/>
@@ -3678,7 +3673,7 @@
               <a:buNone/>
             </a:pPr>
             <a:r>
-              <a:rPr lang="en-US" sz="1200" i="1" dirty="0" smtClean="0"/>
+              <a:rPr lang="en-US" sz="1200" i="1" dirty="0"/>
               <a:t>Image 2 </a:t>
             </a:r>
             <a:endParaRPr lang="en-GB" sz="1200" i="1" dirty="0"/>
@@ -4170,7 +4165,7 @@
               <a:buNone/>
             </a:pPr>
             <a:r>
-              <a:rPr lang="en-US" sz="1200" i="1" dirty="0" smtClean="0"/>
+              <a:rPr lang="en-US" sz="1200" i="1" dirty="0"/>
               <a:t>Target selection by receiver </a:t>
             </a:r>
             <a:endParaRPr lang="en-GB" sz="1200" i="1" dirty="0"/>
@@ -4275,7 +4270,7 @@
               <a:buNone/>
             </a:pPr>
             <a:r>
-              <a:rPr lang="en-US" sz="1200" i="1" dirty="0" smtClean="0"/>
+              <a:rPr lang="en-US" sz="1200" i="1" dirty="0"/>
               <a:t>Word symbol </a:t>
             </a:r>
             <a:endParaRPr lang="en-GB" sz="1200" i="1" dirty="0"/>
@@ -4380,7 +4375,7 @@
               <a:buNone/>
             </a:pPr>
             <a:r>
-              <a:rPr lang="en-US" sz="1200" i="1" dirty="0" smtClean="0"/>
+              <a:rPr lang="en-US" sz="1200" i="1" dirty="0"/>
               <a:t>Feedback (+1 for match,</a:t>
             </a:r>
           </a:p>
@@ -4389,7 +4384,7 @@
               <a:buNone/>
             </a:pPr>
             <a:r>
-              <a:rPr lang="en-US" sz="1200" i="1" dirty="0" smtClean="0"/>
+              <a:rPr lang="en-US" sz="1200" i="1" dirty="0"/>
               <a:t> -1 for mismatch)</a:t>
             </a:r>
             <a:endParaRPr lang="en-GB" sz="1200" i="1" dirty="0"/>
@@ -4494,7 +4489,7 @@
               <a:buNone/>
             </a:pPr>
             <a:r>
-              <a:rPr lang="en-US" sz="1200" i="1" dirty="0" smtClean="0"/>
+              <a:rPr lang="en-US" sz="1200" i="1" dirty="0"/>
               <a:t>Image activations </a:t>
             </a:r>
             <a:endParaRPr lang="en-GB" sz="1200" i="1" dirty="0"/>
@@ -4511,13 +4506,6 @@
   <p:clrMapOvr>
     <a:masterClrMapping/>
   </p:clrMapOvr>
-  <p:timing>
-    <p:tnLst>
-      <p:par>
-        <p:cTn xmlns:p14="http://schemas.microsoft.com/office/powerpoint/2010/main" id="1" dur="indefinite" restart="never" nodeType="tmRoot"/>
-      </p:par>
-    </p:tnLst>
-  </p:timing>
 </p:sld>
 </file>
 
@@ -4556,15 +4544,15 @@
           <a:lstStyle/>
           <a:p>
             <a:r>
-              <a:rPr lang="en-US" dirty="0" smtClean="0"/>
+              <a:rPr lang="en-US" dirty="0"/>
               <a:t>VGG </a:t>
             </a:r>
             <a:r>
-              <a:rPr lang="en-US" dirty="0" err="1" smtClean="0"/>
+              <a:rPr lang="en-US" dirty="0" err="1"/>
               <a:t>ConvNet</a:t>
             </a:r>
             <a:r>
-              <a:rPr lang="en-US" smtClean="0"/>
+              <a:rPr lang="en-US"/>
               <a:t> architecture</a:t>
             </a:r>
             <a:endParaRPr lang="en-US" dirty="0"/>
@@ -4647,10 +4635,9 @@
           <a:lstStyle/>
           <a:p>
             <a:r>
-              <a:rPr lang="en-US" dirty="0" smtClean="0"/>
+              <a:rPr lang="en-US" dirty="0"/>
               <a:t>Model Structure: Sender Network</a:t>
             </a:r>
-            <a:endParaRPr lang="en-US" dirty="0"/>
           </a:p>
         </p:txBody>
       </p:sp>
@@ -4724,10 +4711,9 @@
           <a:lstStyle/>
           <a:p>
             <a:r>
-              <a:rPr lang="en-US" dirty="0" smtClean="0"/>
+              <a:rPr lang="en-US" dirty="0"/>
               <a:t>Model Structure: Receiver</a:t>
             </a:r>
-            <a:endParaRPr lang="en-US" dirty="0"/>
           </a:p>
         </p:txBody>
       </p:sp>
